--- a/JavaScript.pptx
+++ b/JavaScript.pptx
@@ -322,7 +322,7 @@
           <a:p>
             <a:fld id="{7ADDAF46-68EB-49D9-86D3-59966A09D12B}" type="datetimeFigureOut">
               <a:rPr lang="fr-FR" smtClean="0"/>
-              <a:t>14/11/2024</a:t>
+              <a:t>20/11/2024</a:t>
             </a:fld>
             <a:endParaRPr lang="fr-FR"/>
           </a:p>
@@ -660,7 +660,7 @@
           <a:p>
             <a:fld id="{7ADDAF46-68EB-49D9-86D3-59966A09D12B}" type="datetimeFigureOut">
               <a:rPr lang="fr-FR" smtClean="0"/>
-              <a:t>14/11/2024</a:t>
+              <a:t>20/11/2024</a:t>
             </a:fld>
             <a:endParaRPr lang="fr-FR"/>
           </a:p>
@@ -1061,7 +1061,7 @@
           <a:p>
             <a:fld id="{7ADDAF46-68EB-49D9-86D3-59966A09D12B}" type="datetimeFigureOut">
               <a:rPr lang="fr-FR" smtClean="0"/>
-              <a:t>14/11/2024</a:t>
+              <a:t>20/11/2024</a:t>
             </a:fld>
             <a:endParaRPr lang="fr-FR"/>
           </a:p>
@@ -1397,7 +1397,7 @@
           <a:p>
             <a:fld id="{7ADDAF46-68EB-49D9-86D3-59966A09D12B}" type="datetimeFigureOut">
               <a:rPr lang="fr-FR" smtClean="0"/>
-              <a:t>14/11/2024</a:t>
+              <a:t>20/11/2024</a:t>
             </a:fld>
             <a:endParaRPr lang="fr-FR"/>
           </a:p>
@@ -1717,7 +1717,7 @@
           <a:p>
             <a:fld id="{7ADDAF46-68EB-49D9-86D3-59966A09D12B}" type="datetimeFigureOut">
               <a:rPr lang="fr-FR" smtClean="0"/>
-              <a:t>14/11/2024</a:t>
+              <a:t>20/11/2024</a:t>
             </a:fld>
             <a:endParaRPr lang="fr-FR"/>
           </a:p>
@@ -2113,7 +2113,7 @@
           <a:p>
             <a:fld id="{7ADDAF46-68EB-49D9-86D3-59966A09D12B}" type="datetimeFigureOut">
               <a:rPr lang="fr-FR" smtClean="0"/>
-              <a:t>14/11/2024</a:t>
+              <a:t>20/11/2024</a:t>
             </a:fld>
             <a:endParaRPr lang="fr-FR"/>
           </a:p>
@@ -2370,7 +2370,7 @@
           <a:p>
             <a:fld id="{7ADDAF46-68EB-49D9-86D3-59966A09D12B}" type="datetimeFigureOut">
               <a:rPr lang="fr-FR" smtClean="0"/>
-              <a:t>14/11/2024</a:t>
+              <a:t>20/11/2024</a:t>
             </a:fld>
             <a:endParaRPr lang="fr-FR"/>
           </a:p>
@@ -2632,7 +2632,7 @@
           <a:p>
             <a:fld id="{7ADDAF46-68EB-49D9-86D3-59966A09D12B}" type="datetimeFigureOut">
               <a:rPr lang="fr-FR" smtClean="0"/>
-              <a:t>14/11/2024</a:t>
+              <a:t>20/11/2024</a:t>
             </a:fld>
             <a:endParaRPr lang="fr-FR"/>
           </a:p>
@@ -2894,7 +2894,7 @@
           <a:p>
             <a:fld id="{7ADDAF46-68EB-49D9-86D3-59966A09D12B}" type="datetimeFigureOut">
               <a:rPr lang="fr-FR" smtClean="0"/>
-              <a:t>14/11/2024</a:t>
+              <a:t>20/11/2024</a:t>
             </a:fld>
             <a:endParaRPr lang="fr-FR"/>
           </a:p>
@@ -3223,7 +3223,7 @@
           <a:p>
             <a:fld id="{7ADDAF46-68EB-49D9-86D3-59966A09D12B}" type="datetimeFigureOut">
               <a:rPr lang="fr-FR" smtClean="0"/>
-              <a:t>14/11/2024</a:t>
+              <a:t>20/11/2024</a:t>
             </a:fld>
             <a:endParaRPr lang="fr-FR"/>
           </a:p>
@@ -3546,7 +3546,7 @@
           <a:p>
             <a:fld id="{7ADDAF46-68EB-49D9-86D3-59966A09D12B}" type="datetimeFigureOut">
               <a:rPr lang="fr-FR" smtClean="0"/>
-              <a:t>14/11/2024</a:t>
+              <a:t>20/11/2024</a:t>
             </a:fld>
             <a:endParaRPr lang="fr-FR"/>
           </a:p>
@@ -4003,7 +4003,7 @@
           <a:p>
             <a:fld id="{7ADDAF46-68EB-49D9-86D3-59966A09D12B}" type="datetimeFigureOut">
               <a:rPr lang="fr-FR" smtClean="0"/>
-              <a:t>14/11/2024</a:t>
+              <a:t>20/11/2024</a:t>
             </a:fld>
             <a:endParaRPr lang="fr-FR"/>
           </a:p>
@@ -4208,7 +4208,7 @@
           <a:p>
             <a:fld id="{7ADDAF46-68EB-49D9-86D3-59966A09D12B}" type="datetimeFigureOut">
               <a:rPr lang="fr-FR" smtClean="0"/>
-              <a:t>14/11/2024</a:t>
+              <a:t>20/11/2024</a:t>
             </a:fld>
             <a:endParaRPr lang="fr-FR"/>
           </a:p>
@@ -4385,7 +4385,7 @@
           <a:p>
             <a:fld id="{7ADDAF46-68EB-49D9-86D3-59966A09D12B}" type="datetimeFigureOut">
               <a:rPr lang="fr-FR" smtClean="0"/>
-              <a:t>14/11/2024</a:t>
+              <a:t>20/11/2024</a:t>
             </a:fld>
             <a:endParaRPr lang="fr-FR"/>
           </a:p>
@@ -4718,7 +4718,7 @@
           <a:p>
             <a:fld id="{7ADDAF46-68EB-49D9-86D3-59966A09D12B}" type="datetimeFigureOut">
               <a:rPr lang="fr-FR" smtClean="0"/>
-              <a:t>14/11/2024</a:t>
+              <a:t>20/11/2024</a:t>
             </a:fld>
             <a:endParaRPr lang="fr-FR"/>
           </a:p>
@@ -5063,7 +5063,7 @@
           <a:p>
             <a:fld id="{7ADDAF46-68EB-49D9-86D3-59966A09D12B}" type="datetimeFigureOut">
               <a:rPr lang="fr-FR" smtClean="0"/>
-              <a:t>14/11/2024</a:t>
+              <a:t>20/11/2024</a:t>
             </a:fld>
             <a:endParaRPr lang="fr-FR"/>
           </a:p>
@@ -7180,7 +7180,7 @@
           <a:p>
             <a:fld id="{7ADDAF46-68EB-49D9-86D3-59966A09D12B}" type="datetimeFigureOut">
               <a:rPr lang="fr-FR" smtClean="0"/>
-              <a:t>14/11/2024</a:t>
+              <a:t>20/11/2024</a:t>
             </a:fld>
             <a:endParaRPr lang="fr-FR"/>
           </a:p>

--- a/JavaScript.pptx
+++ b/JavaScript.pptx
@@ -28,6 +28,7 @@
     <p:sldId id="276" r:id="rId22"/>
     <p:sldId id="277" r:id="rId23"/>
     <p:sldId id="278" r:id="rId24"/>
+    <p:sldId id="279" r:id="rId25"/>
   </p:sldIdLst>
   <p:sldSz cx="12192000" cy="6858000"/>
   <p:notesSz cx="6858000" cy="9144000"/>
@@ -12463,6 +12464,113 @@
 </p:sld>
 </file>
 
+<file path=ppt/slides/slide24.xml><?xml version="1.0" encoding="utf-8"?>
+<p:sld xmlns:a="http://schemas.openxmlformats.org/drawingml/2006/main" xmlns:r="http://schemas.openxmlformats.org/officeDocument/2006/relationships" xmlns:p="http://schemas.openxmlformats.org/presentationml/2006/main">
+  <p:cSld>
+    <p:spTree>
+      <p:nvGrpSpPr>
+        <p:cNvPr id="1" name=""/>
+        <p:cNvGrpSpPr/>
+        <p:nvPr/>
+      </p:nvGrpSpPr>
+      <p:grpSpPr>
+        <a:xfrm>
+          <a:off x="0" y="0"/>
+          <a:ext cx="0" cy="0"/>
+          <a:chOff x="0" y="0"/>
+          <a:chExt cx="0" cy="0"/>
+        </a:xfrm>
+      </p:grpSpPr>
+      <p:sp>
+        <p:nvSpPr>
+          <p:cNvPr id="2" name="Titre 1">
+            <a:extLst>
+              <a:ext uri="{FF2B5EF4-FFF2-40B4-BE49-F238E27FC236}">
+                <a16:creationId xmlns:a16="http://schemas.microsoft.com/office/drawing/2014/main" id="{3C6C78BB-DC7F-0B10-CDDA-E5A624BA65D3}"/>
+              </a:ext>
+            </a:extLst>
+          </p:cNvPr>
+          <p:cNvSpPr>
+            <a:spLocks noGrp="1"/>
+          </p:cNvSpPr>
+          <p:nvPr>
+            <p:ph type="title"/>
+          </p:nvPr>
+        </p:nvSpPr>
+        <p:spPr/>
+        <p:txBody>
+          <a:bodyPr/>
+          <a:lstStyle/>
+          <a:p>
+            <a:pPr algn="ctr"/>
+            <a:r>
+              <a:rPr lang="fr-FR" b="1" dirty="0"/>
+              <a:t>les Objets</a:t>
+            </a:r>
+          </a:p>
+        </p:txBody>
+      </p:sp>
+      <p:sp>
+        <p:nvSpPr>
+          <p:cNvPr id="3" name="Espace réservé du contenu 2">
+            <a:extLst>
+              <a:ext uri="{FF2B5EF4-FFF2-40B4-BE49-F238E27FC236}">
+                <a16:creationId xmlns:a16="http://schemas.microsoft.com/office/drawing/2014/main" id="{56BE5D6D-EB47-56B5-18C9-CE5D2103987A}"/>
+              </a:ext>
+            </a:extLst>
+          </p:cNvPr>
+          <p:cNvSpPr>
+            <a:spLocks noGrp="1"/>
+          </p:cNvSpPr>
+          <p:nvPr>
+            <p:ph idx="1"/>
+          </p:nvPr>
+        </p:nvSpPr>
+        <p:spPr/>
+        <p:txBody>
+          <a:bodyPr/>
+          <a:lstStyle/>
+          <a:p>
+            <a:r>
+              <a:rPr lang="fr-FR" dirty="0"/>
+              <a:t>Les </a:t>
+            </a:r>
+            <a:r>
+              <a:rPr lang="fr-FR" b="1" dirty="0"/>
+              <a:t>objets</a:t>
+            </a:r>
+            <a:r>
+              <a:rPr lang="fr-FR" dirty="0"/>
+              <a:t> sont une structure de données essentielle en JavaScript, permettant de stocker des collections de données et de fonctionnalités. </a:t>
+            </a:r>
+            <a:r>
+              <a:rPr lang="fr-FR"/>
+              <a:t>Ils sont constitués de </a:t>
+            </a:r>
+            <a:r>
+              <a:rPr lang="fr-FR" b="1"/>
+              <a:t>paires clé-valeur</a:t>
+            </a:r>
+            <a:r>
+              <a:rPr lang="fr-FR"/>
+              <a:t> et sont très flexibles.</a:t>
+            </a:r>
+          </a:p>
+        </p:txBody>
+      </p:sp>
+    </p:spTree>
+    <p:extLst>
+      <p:ext uri="{BB962C8B-B14F-4D97-AF65-F5344CB8AC3E}">
+        <p14:creationId xmlns:p14="http://schemas.microsoft.com/office/powerpoint/2010/main" val="1217390661"/>
+      </p:ext>
+    </p:extLst>
+  </p:cSld>
+  <p:clrMapOvr>
+    <a:masterClrMapping/>
+  </p:clrMapOvr>
+</p:sld>
+</file>
+
 <file path=ppt/slides/slide3.xml><?xml version="1.0" encoding="utf-8"?>
 <p:sld xmlns:a="http://schemas.openxmlformats.org/drawingml/2006/main" xmlns:r="http://schemas.openxmlformats.org/officeDocument/2006/relationships" xmlns:p="http://schemas.openxmlformats.org/presentationml/2006/main">
   <p:cSld>

--- a/JavaScript.pptx
+++ b/JavaScript.pptx
@@ -29,6 +29,7 @@
     <p:sldId id="277" r:id="rId23"/>
     <p:sldId id="278" r:id="rId24"/>
     <p:sldId id="279" r:id="rId25"/>
+    <p:sldId id="280" r:id="rId26"/>
   </p:sldIdLst>
   <p:sldSz cx="12192000" cy="6858000"/>
   <p:notesSz cx="6858000" cy="9144000"/>
@@ -323,7 +324,7 @@
           <a:p>
             <a:fld id="{7ADDAF46-68EB-49D9-86D3-59966A09D12B}" type="datetimeFigureOut">
               <a:rPr lang="fr-FR" smtClean="0"/>
-              <a:t>20/11/2024</a:t>
+              <a:t>25/11/2024</a:t>
             </a:fld>
             <a:endParaRPr lang="fr-FR"/>
           </a:p>
@@ -661,7 +662,7 @@
           <a:p>
             <a:fld id="{7ADDAF46-68EB-49D9-86D3-59966A09D12B}" type="datetimeFigureOut">
               <a:rPr lang="fr-FR" smtClean="0"/>
-              <a:t>20/11/2024</a:t>
+              <a:t>25/11/2024</a:t>
             </a:fld>
             <a:endParaRPr lang="fr-FR"/>
           </a:p>
@@ -1062,7 +1063,7 @@
           <a:p>
             <a:fld id="{7ADDAF46-68EB-49D9-86D3-59966A09D12B}" type="datetimeFigureOut">
               <a:rPr lang="fr-FR" smtClean="0"/>
-              <a:t>20/11/2024</a:t>
+              <a:t>25/11/2024</a:t>
             </a:fld>
             <a:endParaRPr lang="fr-FR"/>
           </a:p>
@@ -1398,7 +1399,7 @@
           <a:p>
             <a:fld id="{7ADDAF46-68EB-49D9-86D3-59966A09D12B}" type="datetimeFigureOut">
               <a:rPr lang="fr-FR" smtClean="0"/>
-              <a:t>20/11/2024</a:t>
+              <a:t>25/11/2024</a:t>
             </a:fld>
             <a:endParaRPr lang="fr-FR"/>
           </a:p>
@@ -1718,7 +1719,7 @@
           <a:p>
             <a:fld id="{7ADDAF46-68EB-49D9-86D3-59966A09D12B}" type="datetimeFigureOut">
               <a:rPr lang="fr-FR" smtClean="0"/>
-              <a:t>20/11/2024</a:t>
+              <a:t>25/11/2024</a:t>
             </a:fld>
             <a:endParaRPr lang="fr-FR"/>
           </a:p>
@@ -2114,7 +2115,7 @@
           <a:p>
             <a:fld id="{7ADDAF46-68EB-49D9-86D3-59966A09D12B}" type="datetimeFigureOut">
               <a:rPr lang="fr-FR" smtClean="0"/>
-              <a:t>20/11/2024</a:t>
+              <a:t>25/11/2024</a:t>
             </a:fld>
             <a:endParaRPr lang="fr-FR"/>
           </a:p>
@@ -2371,7 +2372,7 @@
           <a:p>
             <a:fld id="{7ADDAF46-68EB-49D9-86D3-59966A09D12B}" type="datetimeFigureOut">
               <a:rPr lang="fr-FR" smtClean="0"/>
-              <a:t>20/11/2024</a:t>
+              <a:t>25/11/2024</a:t>
             </a:fld>
             <a:endParaRPr lang="fr-FR"/>
           </a:p>
@@ -2633,7 +2634,7 @@
           <a:p>
             <a:fld id="{7ADDAF46-68EB-49D9-86D3-59966A09D12B}" type="datetimeFigureOut">
               <a:rPr lang="fr-FR" smtClean="0"/>
-              <a:t>20/11/2024</a:t>
+              <a:t>25/11/2024</a:t>
             </a:fld>
             <a:endParaRPr lang="fr-FR"/>
           </a:p>
@@ -2895,7 +2896,7 @@
           <a:p>
             <a:fld id="{7ADDAF46-68EB-49D9-86D3-59966A09D12B}" type="datetimeFigureOut">
               <a:rPr lang="fr-FR" smtClean="0"/>
-              <a:t>20/11/2024</a:t>
+              <a:t>25/11/2024</a:t>
             </a:fld>
             <a:endParaRPr lang="fr-FR"/>
           </a:p>
@@ -3224,7 +3225,7 @@
           <a:p>
             <a:fld id="{7ADDAF46-68EB-49D9-86D3-59966A09D12B}" type="datetimeFigureOut">
               <a:rPr lang="fr-FR" smtClean="0"/>
-              <a:t>20/11/2024</a:t>
+              <a:t>25/11/2024</a:t>
             </a:fld>
             <a:endParaRPr lang="fr-FR"/>
           </a:p>
@@ -3547,7 +3548,7 @@
           <a:p>
             <a:fld id="{7ADDAF46-68EB-49D9-86D3-59966A09D12B}" type="datetimeFigureOut">
               <a:rPr lang="fr-FR" smtClean="0"/>
-              <a:t>20/11/2024</a:t>
+              <a:t>25/11/2024</a:t>
             </a:fld>
             <a:endParaRPr lang="fr-FR"/>
           </a:p>
@@ -4004,7 +4005,7 @@
           <a:p>
             <a:fld id="{7ADDAF46-68EB-49D9-86D3-59966A09D12B}" type="datetimeFigureOut">
               <a:rPr lang="fr-FR" smtClean="0"/>
-              <a:t>20/11/2024</a:t>
+              <a:t>25/11/2024</a:t>
             </a:fld>
             <a:endParaRPr lang="fr-FR"/>
           </a:p>
@@ -4209,7 +4210,7 @@
           <a:p>
             <a:fld id="{7ADDAF46-68EB-49D9-86D3-59966A09D12B}" type="datetimeFigureOut">
               <a:rPr lang="fr-FR" smtClean="0"/>
-              <a:t>20/11/2024</a:t>
+              <a:t>25/11/2024</a:t>
             </a:fld>
             <a:endParaRPr lang="fr-FR"/>
           </a:p>
@@ -4386,7 +4387,7 @@
           <a:p>
             <a:fld id="{7ADDAF46-68EB-49D9-86D3-59966A09D12B}" type="datetimeFigureOut">
               <a:rPr lang="fr-FR" smtClean="0"/>
-              <a:t>20/11/2024</a:t>
+              <a:t>25/11/2024</a:t>
             </a:fld>
             <a:endParaRPr lang="fr-FR"/>
           </a:p>
@@ -4719,7 +4720,7 @@
           <a:p>
             <a:fld id="{7ADDAF46-68EB-49D9-86D3-59966A09D12B}" type="datetimeFigureOut">
               <a:rPr lang="fr-FR" smtClean="0"/>
-              <a:t>20/11/2024</a:t>
+              <a:t>25/11/2024</a:t>
             </a:fld>
             <a:endParaRPr lang="fr-FR"/>
           </a:p>
@@ -5064,7 +5065,7 @@
           <a:p>
             <a:fld id="{7ADDAF46-68EB-49D9-86D3-59966A09D12B}" type="datetimeFigureOut">
               <a:rPr lang="fr-FR" smtClean="0"/>
-              <a:t>20/11/2024</a:t>
+              <a:t>25/11/2024</a:t>
             </a:fld>
             <a:endParaRPr lang="fr-FR"/>
           </a:p>
@@ -7181,7 +7182,7 @@
           <a:p>
             <a:fld id="{7ADDAF46-68EB-49D9-86D3-59966A09D12B}" type="datetimeFigureOut">
               <a:rPr lang="fr-FR" smtClean="0"/>
-              <a:t>20/11/2024</a:t>
+              <a:t>25/11/2024</a:t>
             </a:fld>
             <a:endParaRPr lang="fr-FR"/>
           </a:p>
@@ -12571,6 +12572,66 @@
 </p:sld>
 </file>
 
+<file path=ppt/slides/slide25.xml><?xml version="1.0" encoding="utf-8"?>
+<p:sld xmlns:a="http://schemas.openxmlformats.org/drawingml/2006/main" xmlns:r="http://schemas.openxmlformats.org/officeDocument/2006/relationships" xmlns:p="http://schemas.openxmlformats.org/presentationml/2006/main">
+  <p:cSld>
+    <p:spTree>
+      <p:nvGrpSpPr>
+        <p:cNvPr id="1" name=""/>
+        <p:cNvGrpSpPr/>
+        <p:nvPr/>
+      </p:nvGrpSpPr>
+      <p:grpSpPr>
+        <a:xfrm>
+          <a:off x="0" y="0"/>
+          <a:ext cx="0" cy="0"/>
+          <a:chOff x="0" y="0"/>
+          <a:chExt cx="0" cy="0"/>
+        </a:xfrm>
+      </p:grpSpPr>
+      <p:sp>
+        <p:nvSpPr>
+          <p:cNvPr id="3" name="Espace réservé du contenu 2">
+            <a:extLst>
+              <a:ext uri="{FF2B5EF4-FFF2-40B4-BE49-F238E27FC236}">
+                <a16:creationId xmlns:a16="http://schemas.microsoft.com/office/drawing/2014/main" id="{F92A3A43-99D6-473C-E162-606DE7E1A240}"/>
+              </a:ext>
+            </a:extLst>
+          </p:cNvPr>
+          <p:cNvSpPr>
+            <a:spLocks noGrp="1"/>
+          </p:cNvSpPr>
+          <p:nvPr>
+            <p:ph idx="1"/>
+          </p:nvPr>
+        </p:nvSpPr>
+        <p:spPr>
+          <a:xfrm>
+            <a:off x="196948" y="0"/>
+            <a:ext cx="11307664" cy="6858000"/>
+          </a:xfrm>
+        </p:spPr>
+        <p:txBody>
+          <a:bodyPr/>
+          <a:lstStyle/>
+          <a:p>
+            <a:endParaRPr lang="fr-FR" dirty="0"/>
+          </a:p>
+        </p:txBody>
+      </p:sp>
+    </p:spTree>
+    <p:extLst>
+      <p:ext uri="{BB962C8B-B14F-4D97-AF65-F5344CB8AC3E}">
+        <p14:creationId xmlns:p14="http://schemas.microsoft.com/office/powerpoint/2010/main" val="2280336076"/>
+      </p:ext>
+    </p:extLst>
+  </p:cSld>
+  <p:clrMapOvr>
+    <a:masterClrMapping/>
+  </p:clrMapOvr>
+</p:sld>
+</file>
+
 <file path=ppt/slides/slide3.xml><?xml version="1.0" encoding="utf-8"?>
 <p:sld xmlns:a="http://schemas.openxmlformats.org/drawingml/2006/main" xmlns:r="http://schemas.openxmlformats.org/officeDocument/2006/relationships" xmlns:p="http://schemas.openxmlformats.org/presentationml/2006/main">
   <p:cSld>
